--- a/group5/ppt/01.pptx
+++ b/group5/ppt/01.pptx
@@ -19,7 +19,7 @@
     <p:sldId id="262" r:id="rId7"/>
     <p:sldId id="260" r:id="rId8"/>
   </p:sldIdLst>
-  <p:sldSz cx="9144000" cy="6858000" type="screen4x3"/>
+  <p:sldSz cx="12192000" cy="6858000"/>
   <p:notesSz cx="6946900" cy="9283700"/>
   <p:defaultTextStyle>
     <a:defPPr>
@@ -149,12 +149,12 @@
   <p:extLst>
     <p:ext uri="{EFAFB233-063F-42B5-8137-9DF3F51BA10A}">
       <p15:sldGuideLst xmlns:p15="http://schemas.microsoft.com/office/powerpoint/2012/main">
-        <p15:guide id="1" orient="horz" pos="2160">
+        <p15:guide id="1" orient="horz" pos="2160" userDrawn="1">
           <p15:clr>
             <a:srgbClr val="A4A3A4"/>
           </p15:clr>
         </p15:guide>
-        <p15:guide id="2" pos="2880">
+        <p15:guide id="2" pos="3840" userDrawn="1">
           <p15:clr>
             <a:srgbClr val="A4A3A4"/>
           </p15:clr>
@@ -513,8 +513,8 @@
         </p:nvSpPr>
         <p:spPr bwMode="auto">
           <a:xfrm>
-            <a:off x="1152525" y="696913"/>
-            <a:ext cx="4641850" cy="3481387"/>
+            <a:off x="379413" y="696913"/>
+            <a:ext cx="6188075" cy="3481387"/>
           </a:xfrm>
           <a:prstGeom prst="rect">
             <a:avLst/>
@@ -852,7 +852,12 @@
             <p:ph type="sldImg"/>
           </p:nvPr>
         </p:nvSpPr>
-        <p:spPr/>
+        <p:spPr>
+          <a:xfrm>
+            <a:off x="379413" y="696913"/>
+            <a:ext cx="6188075" cy="3481387"/>
+          </a:xfrm>
+        </p:spPr>
       </p:sp>
       <p:sp>
         <p:nvSpPr>
@@ -884,73 +889,7 @@
                 <a:ea typeface="+mn-ea"/>
                 <a:cs typeface="+mn-cs"/>
               </a:rPr>
-              <a:t>1. Виправте помилки у словах</a:t>
-            </a:r>
-            <a:r>
-              <a:rPr kumimoji="1" lang="en-US" sz="1000" b="0" kern="1200" dirty="0">
-                <a:solidFill>
-                  <a:schemeClr val="tx1"/>
-                </a:solidFill>
-                <a:latin typeface="Arial" charset="0"/>
-                <a:ea typeface="+mn-ea"/>
-                <a:cs typeface="+mn-cs"/>
-              </a:rPr>
-              <a:t> + </a:t>
-            </a:r>
-            <a:r>
-              <a:rPr kumimoji="1" lang="uk-UA" sz="1000" b="0" kern="1200" dirty="0">
-                <a:solidFill>
-                  <a:schemeClr val="tx1"/>
-                </a:solidFill>
-                <a:latin typeface="Arial" charset="0"/>
-                <a:ea typeface="+mn-ea"/>
-                <a:cs typeface="+mn-cs"/>
-              </a:rPr>
-              <a:t>замініть </a:t>
-            </a:r>
-            <a:r>
-              <a:rPr kumimoji="1" lang="uk-UA" sz="1000" b="0" kern="1200" dirty="0">
-                <a:solidFill>
-                  <a:srgbClr val="00B050"/>
-                </a:solidFill>
-                <a:latin typeface="Arial" charset="0"/>
-                <a:ea typeface="+mn-ea"/>
-                <a:cs typeface="+mn-cs"/>
-              </a:rPr>
-              <a:t>зелений</a:t>
-            </a:r>
-            <a:r>
-              <a:rPr kumimoji="1" lang="uk-UA" sz="1000" b="0" kern="1200" dirty="0">
-                <a:solidFill>
-                  <a:schemeClr val="tx1"/>
-                </a:solidFill>
-                <a:latin typeface="Arial" charset="0"/>
-                <a:ea typeface="+mn-ea"/>
-                <a:cs typeface="+mn-cs"/>
-              </a:rPr>
-              <a:t> колір – на </a:t>
-            </a:r>
-            <a:r>
-              <a:rPr kumimoji="1" lang="uk-UA" sz="1000" b="0" i="1" kern="1200" dirty="0">
-                <a:solidFill>
-                  <a:schemeClr val="tx1"/>
-                </a:solidFill>
-                <a:latin typeface="Arial" charset="0"/>
-                <a:ea typeface="+mn-ea"/>
-                <a:cs typeface="+mn-cs"/>
-              </a:rPr>
-              <a:t>чорний</a:t>
-            </a:r>
-            <a:r>
-              <a:rPr kumimoji="1" lang="uk-UA" sz="1000" b="0" kern="1200" dirty="0">
-                <a:solidFill>
-                  <a:schemeClr val="tx1"/>
-                </a:solidFill>
-                <a:latin typeface="Arial" charset="0"/>
-                <a:ea typeface="+mn-ea"/>
-                <a:cs typeface="+mn-cs"/>
-              </a:rPr>
-              <a:t>	</a:t>
+              <a:t>1. Виправте помилки у словах та зробіть презентацію красивою!</a:t>
             </a:r>
           </a:p>
           <a:p>
@@ -1036,7 +975,29 @@
                 <a:ea typeface="+mn-ea"/>
                 <a:cs typeface="+mn-cs"/>
               </a:rPr>
-              <a:t> Змініть кольори на слайдах</a:t>
+              <a:t> Змініть кольори на слайдах (</a:t>
+            </a:r>
+            <a:r>
+              <a:rPr kumimoji="1" lang="uk-UA" sz="1000" b="1" kern="1200" baseline="0" dirty="0">
+                <a:solidFill>
+                  <a:schemeClr val="tx1"/>
+                </a:solidFill>
+                <a:latin typeface="Arial" charset="0"/>
+                <a:ea typeface="+mn-ea"/>
+                <a:cs typeface="+mn-cs"/>
+              </a:rPr>
+              <a:t>Конструктор</a:t>
+            </a:r>
+            <a:r>
+              <a:rPr kumimoji="1" lang="uk-UA" sz="1000" b="0" kern="1200" baseline="0" dirty="0">
+                <a:solidFill>
+                  <a:schemeClr val="tx1"/>
+                </a:solidFill>
+                <a:latin typeface="Arial" charset="0"/>
+                <a:ea typeface="+mn-ea"/>
+                <a:cs typeface="+mn-cs"/>
+              </a:rPr>
+              <a:t>)</a:t>
             </a:r>
             <a:endParaRPr kumimoji="1" lang="uk-UA" sz="1000" b="1" kern="1200" dirty="0">
               <a:solidFill>
@@ -1108,7 +1069,12 @@
             <p:ph type="sldImg"/>
           </p:nvPr>
         </p:nvSpPr>
-        <p:spPr/>
+        <p:spPr>
+          <a:xfrm>
+            <a:off x="379413" y="696913"/>
+            <a:ext cx="6188075" cy="3481387"/>
+          </a:xfrm>
+        </p:spPr>
       </p:sp>
       <p:sp>
         <p:nvSpPr>
@@ -1140,73 +1106,7 @@
                 <a:ea typeface="+mn-ea"/>
                 <a:cs typeface="+mn-cs"/>
               </a:rPr>
-              <a:t>1. Виправте помилки у словах</a:t>
-            </a:r>
-            <a:r>
-              <a:rPr kumimoji="1" lang="en-US" sz="1200" b="0" kern="1200" dirty="0">
-                <a:solidFill>
-                  <a:schemeClr val="tx1"/>
-                </a:solidFill>
-                <a:latin typeface="Arial" charset="0"/>
-                <a:ea typeface="+mn-ea"/>
-                <a:cs typeface="+mn-cs"/>
-              </a:rPr>
-              <a:t> + </a:t>
-            </a:r>
-            <a:r>
-              <a:rPr kumimoji="1" lang="uk-UA" sz="1200" b="0" kern="1200" dirty="0">
-                <a:solidFill>
-                  <a:schemeClr val="tx1"/>
-                </a:solidFill>
-                <a:latin typeface="Arial" charset="0"/>
-                <a:ea typeface="+mn-ea"/>
-                <a:cs typeface="+mn-cs"/>
-              </a:rPr>
-              <a:t>замініть </a:t>
-            </a:r>
-            <a:r>
-              <a:rPr kumimoji="1" lang="uk-UA" sz="1200" b="0" kern="1200" dirty="0">
-                <a:solidFill>
-                  <a:srgbClr val="00B050"/>
-                </a:solidFill>
-                <a:latin typeface="Arial" charset="0"/>
-                <a:ea typeface="+mn-ea"/>
-                <a:cs typeface="+mn-cs"/>
-              </a:rPr>
-              <a:t>зелений</a:t>
-            </a:r>
-            <a:r>
-              <a:rPr kumimoji="1" lang="uk-UA" sz="1200" b="0" kern="1200" dirty="0">
-                <a:solidFill>
-                  <a:schemeClr val="tx1"/>
-                </a:solidFill>
-                <a:latin typeface="Arial" charset="0"/>
-                <a:ea typeface="+mn-ea"/>
-                <a:cs typeface="+mn-cs"/>
-              </a:rPr>
-              <a:t> колір – на </a:t>
-            </a:r>
-            <a:r>
-              <a:rPr kumimoji="1" lang="uk-UA" sz="1200" b="0" i="1" kern="1200" dirty="0">
-                <a:solidFill>
-                  <a:schemeClr val="tx1"/>
-                </a:solidFill>
-                <a:latin typeface="Arial" charset="0"/>
-                <a:ea typeface="+mn-ea"/>
-                <a:cs typeface="+mn-cs"/>
-              </a:rPr>
-              <a:t>чорний</a:t>
-            </a:r>
-            <a:r>
-              <a:rPr kumimoji="1" lang="uk-UA" sz="1200" b="0" kern="1200" dirty="0">
-                <a:solidFill>
-                  <a:schemeClr val="tx1"/>
-                </a:solidFill>
-                <a:latin typeface="Arial" charset="0"/>
-                <a:ea typeface="+mn-ea"/>
-                <a:cs typeface="+mn-cs"/>
-              </a:rPr>
-              <a:t>	</a:t>
+              <a:t>1. Виправте помилки у словах та зробіть презентацію красивою!</a:t>
             </a:r>
           </a:p>
           <a:p>
@@ -1292,7 +1192,29 @@
                 <a:ea typeface="+mn-ea"/>
                 <a:cs typeface="+mn-cs"/>
               </a:rPr>
-              <a:t> Змініть кольори на слайдах</a:t>
+              <a:t> Змініть кольори на слайдах (</a:t>
+            </a:r>
+            <a:r>
+              <a:rPr kumimoji="1" lang="uk-UA" sz="1200" b="1" kern="1200" baseline="0" dirty="0">
+                <a:solidFill>
+                  <a:schemeClr val="tx1"/>
+                </a:solidFill>
+                <a:latin typeface="Arial" charset="0"/>
+                <a:ea typeface="+mn-ea"/>
+                <a:cs typeface="+mn-cs"/>
+              </a:rPr>
+              <a:t>Конструктор</a:t>
+            </a:r>
+            <a:r>
+              <a:rPr kumimoji="1" lang="uk-UA" sz="1200" b="0" kern="1200" baseline="0" dirty="0">
+                <a:solidFill>
+                  <a:schemeClr val="tx1"/>
+                </a:solidFill>
+                <a:latin typeface="Arial" charset="0"/>
+                <a:ea typeface="+mn-ea"/>
+                <a:cs typeface="+mn-cs"/>
+              </a:rPr>
+              <a:t>)</a:t>
             </a:r>
             <a:endParaRPr kumimoji="1" lang="uk-UA" sz="1200" b="1" kern="1200" dirty="0">
               <a:solidFill>
@@ -1364,7 +1286,12 @@
             <p:ph type="sldImg"/>
           </p:nvPr>
         </p:nvSpPr>
-        <p:spPr/>
+        <p:spPr>
+          <a:xfrm>
+            <a:off x="379413" y="696913"/>
+            <a:ext cx="6188075" cy="3481387"/>
+          </a:xfrm>
+        </p:spPr>
       </p:sp>
       <p:sp>
         <p:nvSpPr>
@@ -1396,73 +1323,7 @@
                 <a:ea typeface="+mn-ea"/>
                 <a:cs typeface="+mn-cs"/>
               </a:rPr>
-              <a:t>1. Виправте помилки у словах</a:t>
-            </a:r>
-            <a:r>
-              <a:rPr kumimoji="1" lang="en-US" sz="1200" b="0" kern="1200" dirty="0">
-                <a:solidFill>
-                  <a:schemeClr val="tx1"/>
-                </a:solidFill>
-                <a:latin typeface="Arial" charset="0"/>
-                <a:ea typeface="+mn-ea"/>
-                <a:cs typeface="+mn-cs"/>
-              </a:rPr>
-              <a:t> + </a:t>
-            </a:r>
-            <a:r>
-              <a:rPr kumimoji="1" lang="uk-UA" sz="1200" b="0" kern="1200" dirty="0">
-                <a:solidFill>
-                  <a:schemeClr val="tx1"/>
-                </a:solidFill>
-                <a:latin typeface="Arial" charset="0"/>
-                <a:ea typeface="+mn-ea"/>
-                <a:cs typeface="+mn-cs"/>
-              </a:rPr>
-              <a:t>замініть </a:t>
-            </a:r>
-            <a:r>
-              <a:rPr kumimoji="1" lang="uk-UA" sz="1200" b="0" kern="1200" dirty="0">
-                <a:solidFill>
-                  <a:srgbClr val="00B050"/>
-                </a:solidFill>
-                <a:latin typeface="Arial" charset="0"/>
-                <a:ea typeface="+mn-ea"/>
-                <a:cs typeface="+mn-cs"/>
-              </a:rPr>
-              <a:t>зелений</a:t>
-            </a:r>
-            <a:r>
-              <a:rPr kumimoji="1" lang="uk-UA" sz="1200" b="0" kern="1200" dirty="0">
-                <a:solidFill>
-                  <a:schemeClr val="tx1"/>
-                </a:solidFill>
-                <a:latin typeface="Arial" charset="0"/>
-                <a:ea typeface="+mn-ea"/>
-                <a:cs typeface="+mn-cs"/>
-              </a:rPr>
-              <a:t> колір – на </a:t>
-            </a:r>
-            <a:r>
-              <a:rPr kumimoji="1" lang="uk-UA" sz="1200" b="0" i="1" kern="1200" dirty="0">
-                <a:solidFill>
-                  <a:schemeClr val="tx1"/>
-                </a:solidFill>
-                <a:latin typeface="Arial" charset="0"/>
-                <a:ea typeface="+mn-ea"/>
-                <a:cs typeface="+mn-cs"/>
-              </a:rPr>
-              <a:t>чорний</a:t>
-            </a:r>
-            <a:r>
-              <a:rPr kumimoji="1" lang="uk-UA" sz="1200" b="0" kern="1200" dirty="0">
-                <a:solidFill>
-                  <a:schemeClr val="tx1"/>
-                </a:solidFill>
-                <a:latin typeface="Arial" charset="0"/>
-                <a:ea typeface="+mn-ea"/>
-                <a:cs typeface="+mn-cs"/>
-              </a:rPr>
-              <a:t>	</a:t>
+              <a:t>1. Виправте помилки у словах та зробіть презентацію красивою!</a:t>
             </a:r>
           </a:p>
           <a:p>
@@ -1548,7 +1409,29 @@
                 <a:ea typeface="+mn-ea"/>
                 <a:cs typeface="+mn-cs"/>
               </a:rPr>
-              <a:t> Змініть кольори на слайдах</a:t>
+              <a:t> Змініть кольори на слайдах (</a:t>
+            </a:r>
+            <a:r>
+              <a:rPr kumimoji="1" lang="uk-UA" sz="1200" b="1" kern="1200" baseline="0" dirty="0">
+                <a:solidFill>
+                  <a:schemeClr val="tx1"/>
+                </a:solidFill>
+                <a:latin typeface="Arial" charset="0"/>
+                <a:ea typeface="+mn-ea"/>
+                <a:cs typeface="+mn-cs"/>
+              </a:rPr>
+              <a:t>Конструктор</a:t>
+            </a:r>
+            <a:r>
+              <a:rPr kumimoji="1" lang="uk-UA" sz="1200" b="0" kern="1200" baseline="0" dirty="0">
+                <a:solidFill>
+                  <a:schemeClr val="tx1"/>
+                </a:solidFill>
+                <a:latin typeface="Arial" charset="0"/>
+                <a:ea typeface="+mn-ea"/>
+                <a:cs typeface="+mn-cs"/>
+              </a:rPr>
+              <a:t>)</a:t>
             </a:r>
             <a:endParaRPr kumimoji="1" lang="uk-UA" sz="1200" b="1" kern="1200" dirty="0">
               <a:solidFill>
@@ -1620,7 +1503,12 @@
             <p:ph type="sldImg"/>
           </p:nvPr>
         </p:nvSpPr>
-        <p:spPr/>
+        <p:spPr>
+          <a:xfrm>
+            <a:off x="379413" y="696913"/>
+            <a:ext cx="6188075" cy="3481387"/>
+          </a:xfrm>
+        </p:spPr>
       </p:sp>
       <p:sp>
         <p:nvSpPr>
@@ -1652,73 +1540,7 @@
                 <a:ea typeface="+mn-ea"/>
                 <a:cs typeface="+mn-cs"/>
               </a:rPr>
-              <a:t>1. Виправте помилки у словах</a:t>
-            </a:r>
-            <a:r>
-              <a:rPr kumimoji="1" lang="en-US" sz="1200" b="0" kern="1200" dirty="0">
-                <a:solidFill>
-                  <a:schemeClr val="tx1"/>
-                </a:solidFill>
-                <a:latin typeface="Arial" charset="0"/>
-                <a:ea typeface="+mn-ea"/>
-                <a:cs typeface="+mn-cs"/>
-              </a:rPr>
-              <a:t> + </a:t>
-            </a:r>
-            <a:r>
-              <a:rPr kumimoji="1" lang="uk-UA" sz="1200" b="0" kern="1200" dirty="0">
-                <a:solidFill>
-                  <a:schemeClr val="tx1"/>
-                </a:solidFill>
-                <a:latin typeface="Arial" charset="0"/>
-                <a:ea typeface="+mn-ea"/>
-                <a:cs typeface="+mn-cs"/>
-              </a:rPr>
-              <a:t>замініть </a:t>
-            </a:r>
-            <a:r>
-              <a:rPr kumimoji="1" lang="uk-UA" sz="1200" b="0" kern="1200" dirty="0">
-                <a:solidFill>
-                  <a:srgbClr val="00B050"/>
-                </a:solidFill>
-                <a:latin typeface="Arial" charset="0"/>
-                <a:ea typeface="+mn-ea"/>
-                <a:cs typeface="+mn-cs"/>
-              </a:rPr>
-              <a:t>зелений</a:t>
-            </a:r>
-            <a:r>
-              <a:rPr kumimoji="1" lang="uk-UA" sz="1200" b="0" kern="1200" dirty="0">
-                <a:solidFill>
-                  <a:schemeClr val="tx1"/>
-                </a:solidFill>
-                <a:latin typeface="Arial" charset="0"/>
-                <a:ea typeface="+mn-ea"/>
-                <a:cs typeface="+mn-cs"/>
-              </a:rPr>
-              <a:t> колір – на </a:t>
-            </a:r>
-            <a:r>
-              <a:rPr kumimoji="1" lang="uk-UA" sz="1200" b="0" i="1" kern="1200" dirty="0">
-                <a:solidFill>
-                  <a:schemeClr val="tx1"/>
-                </a:solidFill>
-                <a:latin typeface="Arial" charset="0"/>
-                <a:ea typeface="+mn-ea"/>
-                <a:cs typeface="+mn-cs"/>
-              </a:rPr>
-              <a:t>чорний</a:t>
-            </a:r>
-            <a:r>
-              <a:rPr kumimoji="1" lang="uk-UA" sz="1200" b="0" kern="1200" dirty="0">
-                <a:solidFill>
-                  <a:schemeClr val="tx1"/>
-                </a:solidFill>
-                <a:latin typeface="Arial" charset="0"/>
-                <a:ea typeface="+mn-ea"/>
-                <a:cs typeface="+mn-cs"/>
-              </a:rPr>
-              <a:t>	</a:t>
+              <a:t>1. Виправте помилки у словах та зробіть презентацію красивою!</a:t>
             </a:r>
           </a:p>
           <a:p>
@@ -1804,7 +1626,29 @@
                 <a:ea typeface="+mn-ea"/>
                 <a:cs typeface="+mn-cs"/>
               </a:rPr>
-              <a:t> Змініть кольори на слайдах</a:t>
+              <a:t> Змініть кольори на слайдах (</a:t>
+            </a:r>
+            <a:r>
+              <a:rPr kumimoji="1" lang="uk-UA" sz="1200" b="1" kern="1200" baseline="0" dirty="0">
+                <a:solidFill>
+                  <a:schemeClr val="tx1"/>
+                </a:solidFill>
+                <a:latin typeface="Arial" charset="0"/>
+                <a:ea typeface="+mn-ea"/>
+                <a:cs typeface="+mn-cs"/>
+              </a:rPr>
+              <a:t>Конструктор</a:t>
+            </a:r>
+            <a:r>
+              <a:rPr kumimoji="1" lang="uk-UA" sz="1200" b="0" kern="1200" baseline="0" dirty="0">
+                <a:solidFill>
+                  <a:schemeClr val="tx1"/>
+                </a:solidFill>
+                <a:latin typeface="Arial" charset="0"/>
+                <a:ea typeface="+mn-ea"/>
+                <a:cs typeface="+mn-cs"/>
+              </a:rPr>
+              <a:t>)</a:t>
             </a:r>
             <a:endParaRPr kumimoji="1" lang="uk-UA" sz="1200" b="1" kern="1200" dirty="0">
               <a:solidFill>
@@ -1876,7 +1720,12 @@
             <p:ph type="sldImg"/>
           </p:nvPr>
         </p:nvSpPr>
-        <p:spPr/>
+        <p:spPr>
+          <a:xfrm>
+            <a:off x="379413" y="696913"/>
+            <a:ext cx="6188075" cy="3481387"/>
+          </a:xfrm>
+        </p:spPr>
       </p:sp>
       <p:sp>
         <p:nvSpPr>
@@ -1908,73 +1757,7 @@
                 <a:ea typeface="+mn-ea"/>
                 <a:cs typeface="+mn-cs"/>
               </a:rPr>
-              <a:t>1. Виправте помилки у словах</a:t>
-            </a:r>
-            <a:r>
-              <a:rPr kumimoji="1" lang="en-US" sz="1200" b="0" kern="1200" dirty="0">
-                <a:solidFill>
-                  <a:schemeClr val="tx1"/>
-                </a:solidFill>
-                <a:latin typeface="Arial" charset="0"/>
-                <a:ea typeface="+mn-ea"/>
-                <a:cs typeface="+mn-cs"/>
-              </a:rPr>
-              <a:t> + </a:t>
-            </a:r>
-            <a:r>
-              <a:rPr kumimoji="1" lang="uk-UA" sz="1200" b="0" kern="1200" dirty="0">
-                <a:solidFill>
-                  <a:schemeClr val="tx1"/>
-                </a:solidFill>
-                <a:latin typeface="Arial" charset="0"/>
-                <a:ea typeface="+mn-ea"/>
-                <a:cs typeface="+mn-cs"/>
-              </a:rPr>
-              <a:t>замініть </a:t>
-            </a:r>
-            <a:r>
-              <a:rPr kumimoji="1" lang="uk-UA" sz="1200" b="0" kern="1200" dirty="0">
-                <a:solidFill>
-                  <a:srgbClr val="00B050"/>
-                </a:solidFill>
-                <a:latin typeface="Arial" charset="0"/>
-                <a:ea typeface="+mn-ea"/>
-                <a:cs typeface="+mn-cs"/>
-              </a:rPr>
-              <a:t>зелений</a:t>
-            </a:r>
-            <a:r>
-              <a:rPr kumimoji="1" lang="uk-UA" sz="1200" b="0" kern="1200" dirty="0">
-                <a:solidFill>
-                  <a:schemeClr val="tx1"/>
-                </a:solidFill>
-                <a:latin typeface="Arial" charset="0"/>
-                <a:ea typeface="+mn-ea"/>
-                <a:cs typeface="+mn-cs"/>
-              </a:rPr>
-              <a:t> колір – на </a:t>
-            </a:r>
-            <a:r>
-              <a:rPr kumimoji="1" lang="uk-UA" sz="1200" b="0" i="1" kern="1200" dirty="0">
-                <a:solidFill>
-                  <a:schemeClr val="tx1"/>
-                </a:solidFill>
-                <a:latin typeface="Arial" charset="0"/>
-                <a:ea typeface="+mn-ea"/>
-                <a:cs typeface="+mn-cs"/>
-              </a:rPr>
-              <a:t>чорний</a:t>
-            </a:r>
-            <a:r>
-              <a:rPr kumimoji="1" lang="uk-UA" sz="1200" b="0" kern="1200" dirty="0">
-                <a:solidFill>
-                  <a:schemeClr val="tx1"/>
-                </a:solidFill>
-                <a:latin typeface="Arial" charset="0"/>
-                <a:ea typeface="+mn-ea"/>
-                <a:cs typeface="+mn-cs"/>
-              </a:rPr>
-              <a:t>	</a:t>
+              <a:t>1. Виправте помилки у словах та зробіть презентацію красивою!</a:t>
             </a:r>
           </a:p>
           <a:p>
@@ -2060,7 +1843,29 @@
                 <a:ea typeface="+mn-ea"/>
                 <a:cs typeface="+mn-cs"/>
               </a:rPr>
-              <a:t> Змініть кольори на слайдах</a:t>
+              <a:t> Змініть кольори на слайдах (</a:t>
+            </a:r>
+            <a:r>
+              <a:rPr kumimoji="1" lang="uk-UA" sz="1200" b="1" kern="1200" baseline="0" dirty="0">
+                <a:solidFill>
+                  <a:schemeClr val="tx1"/>
+                </a:solidFill>
+                <a:latin typeface="Arial" charset="0"/>
+                <a:ea typeface="+mn-ea"/>
+                <a:cs typeface="+mn-cs"/>
+              </a:rPr>
+              <a:t>Конструктор</a:t>
+            </a:r>
+            <a:r>
+              <a:rPr kumimoji="1" lang="uk-UA" sz="1200" b="0" kern="1200" baseline="0" dirty="0">
+                <a:solidFill>
+                  <a:schemeClr val="tx1"/>
+                </a:solidFill>
+                <a:latin typeface="Arial" charset="0"/>
+                <a:ea typeface="+mn-ea"/>
+                <a:cs typeface="+mn-cs"/>
+              </a:rPr>
+              <a:t>)</a:t>
             </a:r>
             <a:endParaRPr kumimoji="1" lang="uk-UA" sz="1200" b="1" kern="1200" dirty="0">
               <a:solidFill>
@@ -2132,7 +1937,12 @@
             <p:ph type="sldImg"/>
           </p:nvPr>
         </p:nvSpPr>
-        <p:spPr/>
+        <p:spPr>
+          <a:xfrm>
+            <a:off x="379413" y="696913"/>
+            <a:ext cx="6188075" cy="3481387"/>
+          </a:xfrm>
+        </p:spPr>
       </p:sp>
       <p:sp>
         <p:nvSpPr>
@@ -2164,73 +1974,7 @@
                 <a:ea typeface="+mn-ea"/>
                 <a:cs typeface="+mn-cs"/>
               </a:rPr>
-              <a:t>1. Виправте помилки у словах</a:t>
-            </a:r>
-            <a:r>
-              <a:rPr kumimoji="1" lang="en-US" sz="1200" b="0" kern="1200" dirty="0">
-                <a:solidFill>
-                  <a:schemeClr val="tx1"/>
-                </a:solidFill>
-                <a:latin typeface="Arial" charset="0"/>
-                <a:ea typeface="+mn-ea"/>
-                <a:cs typeface="+mn-cs"/>
-              </a:rPr>
-              <a:t> + </a:t>
-            </a:r>
-            <a:r>
-              <a:rPr kumimoji="1" lang="uk-UA" sz="1200" b="0" kern="1200" dirty="0">
-                <a:solidFill>
-                  <a:schemeClr val="tx1"/>
-                </a:solidFill>
-                <a:latin typeface="Arial" charset="0"/>
-                <a:ea typeface="+mn-ea"/>
-                <a:cs typeface="+mn-cs"/>
-              </a:rPr>
-              <a:t>замініть </a:t>
-            </a:r>
-            <a:r>
-              <a:rPr kumimoji="1" lang="uk-UA" sz="1200" b="0" kern="1200" dirty="0">
-                <a:solidFill>
-                  <a:srgbClr val="00B050"/>
-                </a:solidFill>
-                <a:latin typeface="Arial" charset="0"/>
-                <a:ea typeface="+mn-ea"/>
-                <a:cs typeface="+mn-cs"/>
-              </a:rPr>
-              <a:t>зелений</a:t>
-            </a:r>
-            <a:r>
-              <a:rPr kumimoji="1" lang="uk-UA" sz="1200" b="0" kern="1200" dirty="0">
-                <a:solidFill>
-                  <a:schemeClr val="tx1"/>
-                </a:solidFill>
-                <a:latin typeface="Arial" charset="0"/>
-                <a:ea typeface="+mn-ea"/>
-                <a:cs typeface="+mn-cs"/>
-              </a:rPr>
-              <a:t> колір – на </a:t>
-            </a:r>
-            <a:r>
-              <a:rPr kumimoji="1" lang="uk-UA" sz="1200" b="0" i="1" kern="1200" dirty="0">
-                <a:solidFill>
-                  <a:schemeClr val="tx1"/>
-                </a:solidFill>
-                <a:latin typeface="Arial" charset="0"/>
-                <a:ea typeface="+mn-ea"/>
-                <a:cs typeface="+mn-cs"/>
-              </a:rPr>
-              <a:t>чорний</a:t>
-            </a:r>
-            <a:r>
-              <a:rPr kumimoji="1" lang="uk-UA" sz="1200" b="0" kern="1200" dirty="0">
-                <a:solidFill>
-                  <a:schemeClr val="tx1"/>
-                </a:solidFill>
-                <a:latin typeface="Arial" charset="0"/>
-                <a:ea typeface="+mn-ea"/>
-                <a:cs typeface="+mn-cs"/>
-              </a:rPr>
-              <a:t>	</a:t>
+              <a:t>1. Виправте помилки у словах та зробіть презентацію красивою!</a:t>
             </a:r>
           </a:p>
           <a:p>
@@ -2316,7 +2060,29 @@
                 <a:ea typeface="+mn-ea"/>
                 <a:cs typeface="+mn-cs"/>
               </a:rPr>
-              <a:t> Змініть кольори на слайдах</a:t>
+              <a:t> Змініть кольори на слайдах (</a:t>
+            </a:r>
+            <a:r>
+              <a:rPr kumimoji="1" lang="uk-UA" sz="1200" b="1" kern="1200" baseline="0" dirty="0">
+                <a:solidFill>
+                  <a:schemeClr val="tx1"/>
+                </a:solidFill>
+                <a:latin typeface="Arial" charset="0"/>
+                <a:ea typeface="+mn-ea"/>
+                <a:cs typeface="+mn-cs"/>
+              </a:rPr>
+              <a:t>Конструктор</a:t>
+            </a:r>
+            <a:r>
+              <a:rPr kumimoji="1" lang="uk-UA" sz="1200" b="0" kern="1200" baseline="0" dirty="0">
+                <a:solidFill>
+                  <a:schemeClr val="tx1"/>
+                </a:solidFill>
+                <a:latin typeface="Arial" charset="0"/>
+                <a:ea typeface="+mn-ea"/>
+                <a:cs typeface="+mn-cs"/>
+              </a:rPr>
+              <a:t>)</a:t>
             </a:r>
             <a:endParaRPr kumimoji="1" lang="uk-UA" sz="1200" b="1" kern="1200" dirty="0">
               <a:solidFill>
@@ -2388,7 +2154,12 @@
             <p:ph type="sldImg"/>
           </p:nvPr>
         </p:nvSpPr>
-        <p:spPr/>
+        <p:spPr>
+          <a:xfrm>
+            <a:off x="379413" y="696913"/>
+            <a:ext cx="6188075" cy="3481387"/>
+          </a:xfrm>
+        </p:spPr>
       </p:sp>
       <p:sp>
         <p:nvSpPr>
@@ -2420,73 +2191,7 @@
                 <a:ea typeface="+mn-ea"/>
                 <a:cs typeface="+mn-cs"/>
               </a:rPr>
-              <a:t>1. Виправте помилки у словах</a:t>
-            </a:r>
-            <a:r>
-              <a:rPr kumimoji="1" lang="en-US" sz="1200" b="0" kern="1200" dirty="0">
-                <a:solidFill>
-                  <a:schemeClr val="tx1"/>
-                </a:solidFill>
-                <a:latin typeface="Arial" charset="0"/>
-                <a:ea typeface="+mn-ea"/>
-                <a:cs typeface="+mn-cs"/>
-              </a:rPr>
-              <a:t> + </a:t>
-            </a:r>
-            <a:r>
-              <a:rPr kumimoji="1" lang="uk-UA" sz="1200" b="0" kern="1200" dirty="0">
-                <a:solidFill>
-                  <a:schemeClr val="tx1"/>
-                </a:solidFill>
-                <a:latin typeface="Arial" charset="0"/>
-                <a:ea typeface="+mn-ea"/>
-                <a:cs typeface="+mn-cs"/>
-              </a:rPr>
-              <a:t>замініть </a:t>
-            </a:r>
-            <a:r>
-              <a:rPr kumimoji="1" lang="uk-UA" sz="1200" b="0" kern="1200" dirty="0">
-                <a:solidFill>
-                  <a:srgbClr val="00B050"/>
-                </a:solidFill>
-                <a:latin typeface="Arial" charset="0"/>
-                <a:ea typeface="+mn-ea"/>
-                <a:cs typeface="+mn-cs"/>
-              </a:rPr>
-              <a:t>зелений</a:t>
-            </a:r>
-            <a:r>
-              <a:rPr kumimoji="1" lang="uk-UA" sz="1200" b="0" kern="1200" dirty="0">
-                <a:solidFill>
-                  <a:schemeClr val="tx1"/>
-                </a:solidFill>
-                <a:latin typeface="Arial" charset="0"/>
-                <a:ea typeface="+mn-ea"/>
-                <a:cs typeface="+mn-cs"/>
-              </a:rPr>
-              <a:t> колір – на </a:t>
-            </a:r>
-            <a:r>
-              <a:rPr kumimoji="1" lang="uk-UA" sz="1200" b="0" i="1" kern="1200" dirty="0">
-                <a:solidFill>
-                  <a:schemeClr val="tx1"/>
-                </a:solidFill>
-                <a:latin typeface="Arial" charset="0"/>
-                <a:ea typeface="+mn-ea"/>
-                <a:cs typeface="+mn-cs"/>
-              </a:rPr>
-              <a:t>чорний</a:t>
-            </a:r>
-            <a:r>
-              <a:rPr kumimoji="1" lang="uk-UA" sz="1200" b="0" kern="1200" dirty="0">
-                <a:solidFill>
-                  <a:schemeClr val="tx1"/>
-                </a:solidFill>
-                <a:latin typeface="Arial" charset="0"/>
-                <a:ea typeface="+mn-ea"/>
-                <a:cs typeface="+mn-cs"/>
-              </a:rPr>
-              <a:t>	</a:t>
+              <a:t>1. Виправте помилки у словах та зробіть презентацію красивою!</a:t>
             </a:r>
           </a:p>
           <a:p>
@@ -2572,7 +2277,29 @@
                 <a:ea typeface="+mn-ea"/>
                 <a:cs typeface="+mn-cs"/>
               </a:rPr>
-              <a:t> Змініть кольори на слайдах</a:t>
+              <a:t> Змініть кольори на слайдах (</a:t>
+            </a:r>
+            <a:r>
+              <a:rPr kumimoji="1" lang="uk-UA" sz="1200" b="1" kern="1200" baseline="0" dirty="0">
+                <a:solidFill>
+                  <a:schemeClr val="tx1"/>
+                </a:solidFill>
+                <a:latin typeface="Arial" charset="0"/>
+                <a:ea typeface="+mn-ea"/>
+                <a:cs typeface="+mn-cs"/>
+              </a:rPr>
+              <a:t>Конструктор</a:t>
+            </a:r>
+            <a:r>
+              <a:rPr kumimoji="1" lang="uk-UA" sz="1200" b="0" kern="1200" baseline="0" dirty="0">
+                <a:solidFill>
+                  <a:schemeClr val="tx1"/>
+                </a:solidFill>
+                <a:latin typeface="Arial" charset="0"/>
+                <a:ea typeface="+mn-ea"/>
+                <a:cs typeface="+mn-cs"/>
+              </a:rPr>
+              <a:t>)</a:t>
             </a:r>
             <a:endParaRPr kumimoji="1" lang="uk-UA" sz="1200" b="1" kern="1200" dirty="0">
               <a:solidFill>
@@ -2642,8 +2369,8 @@
         </p:nvSpPr>
         <p:spPr>
           <a:xfrm flipV="1">
-            <a:off x="5410182" y="3810000"/>
-            <a:ext cx="3733819" cy="91087"/>
+            <a:off x="7213577" y="3810001"/>
+            <a:ext cx="4978425" cy="91087"/>
           </a:xfrm>
           <a:prstGeom prst="rect">
             <a:avLst/>
@@ -2678,7 +2405,7 @@
           <a:lstStyle/>
           <a:p>
             <a:pPr algn="ctr" eaLnBrk="1" latinLnBrk="0" hangingPunct="1"/>
-            <a:endParaRPr kumimoji="0" lang="en-US"/>
+            <a:endParaRPr kumimoji="0" lang="en-US" sz="2400"/>
           </a:p>
         </p:txBody>
       </p:sp>
@@ -2690,8 +2417,8 @@
         </p:nvSpPr>
         <p:spPr>
           <a:xfrm flipV="1">
-            <a:off x="5410200" y="3897010"/>
-            <a:ext cx="3733801" cy="192024"/>
+            <a:off x="7213601" y="3897010"/>
+            <a:ext cx="4978401" cy="192024"/>
           </a:xfrm>
           <a:prstGeom prst="rect">
             <a:avLst/>
@@ -2726,7 +2453,7 @@
           <a:lstStyle/>
           <a:p>
             <a:pPr algn="ctr" eaLnBrk="1" latinLnBrk="0" hangingPunct="1"/>
-            <a:endParaRPr kumimoji="0" lang="en-US"/>
+            <a:endParaRPr kumimoji="0" lang="en-US" sz="2400"/>
           </a:p>
         </p:txBody>
       </p:sp>
@@ -2738,8 +2465,8 @@
         </p:nvSpPr>
         <p:spPr>
           <a:xfrm flipV="1">
-            <a:off x="5410200" y="4115167"/>
-            <a:ext cx="3733801" cy="9144"/>
+            <a:off x="7213601" y="4115167"/>
+            <a:ext cx="4978401" cy="9144"/>
           </a:xfrm>
           <a:prstGeom prst="rect">
             <a:avLst/>
@@ -2774,7 +2501,7 @@
           <a:lstStyle/>
           <a:p>
             <a:pPr algn="ctr" eaLnBrk="1" latinLnBrk="0" hangingPunct="1"/>
-            <a:endParaRPr kumimoji="0" lang="en-US"/>
+            <a:endParaRPr kumimoji="0" lang="en-US" sz="2400"/>
           </a:p>
         </p:txBody>
       </p:sp>
@@ -2786,8 +2513,8 @@
         </p:nvSpPr>
         <p:spPr>
           <a:xfrm flipV="1">
-            <a:off x="5410200" y="4164403"/>
-            <a:ext cx="1965960" cy="18288"/>
+            <a:off x="7213600" y="4164403"/>
+            <a:ext cx="2621280" cy="18288"/>
           </a:xfrm>
           <a:prstGeom prst="rect">
             <a:avLst/>
@@ -2822,7 +2549,7 @@
           <a:lstStyle/>
           <a:p>
             <a:pPr algn="ctr" eaLnBrk="1" latinLnBrk="0" hangingPunct="1"/>
-            <a:endParaRPr kumimoji="0" lang="en-US"/>
+            <a:endParaRPr kumimoji="0" lang="en-US" sz="2400"/>
           </a:p>
         </p:txBody>
       </p:sp>
@@ -2834,8 +2561,8 @@
         </p:nvSpPr>
         <p:spPr>
           <a:xfrm flipV="1">
-            <a:off x="5410200" y="4199572"/>
-            <a:ext cx="1965960" cy="9144"/>
+            <a:off x="7213600" y="4199572"/>
+            <a:ext cx="2621280" cy="9144"/>
           </a:xfrm>
           <a:prstGeom prst="rect">
             <a:avLst/>
@@ -2870,7 +2597,7 @@
           <a:lstStyle/>
           <a:p>
             <a:pPr algn="ctr" eaLnBrk="1" latinLnBrk="0" hangingPunct="1"/>
-            <a:endParaRPr kumimoji="0" lang="en-US"/>
+            <a:endParaRPr kumimoji="0" lang="en-US" sz="2400"/>
           </a:p>
         </p:txBody>
       </p:sp>
@@ -2882,8 +2609,8 @@
         </p:nvSpPr>
         <p:spPr bwMode="white">
           <a:xfrm>
-            <a:off x="5410200" y="3962400"/>
-            <a:ext cx="3063240" cy="27432"/>
+            <a:off x="7213600" y="3962400"/>
+            <a:ext cx="4084320" cy="27432"/>
           </a:xfrm>
           <a:prstGeom prst="roundRect">
             <a:avLst>
@@ -2915,7 +2642,7 @@
           <a:lstStyle/>
           <a:p>
             <a:pPr algn="ctr" eaLnBrk="1" latinLnBrk="0" hangingPunct="1"/>
-            <a:endParaRPr kumimoji="0" lang="en-US"/>
+            <a:endParaRPr kumimoji="0" lang="en-US" sz="2400"/>
           </a:p>
         </p:txBody>
       </p:sp>
@@ -2927,8 +2654,8 @@
         </p:nvSpPr>
         <p:spPr bwMode="white">
           <a:xfrm>
-            <a:off x="7376507" y="4060983"/>
-            <a:ext cx="1600200" cy="36576"/>
+            <a:off x="9835343" y="4060983"/>
+            <a:ext cx="2133600" cy="36576"/>
           </a:xfrm>
           <a:prstGeom prst="roundRect">
             <a:avLst>
@@ -2960,7 +2687,7 @@
           <a:lstStyle/>
           <a:p>
             <a:pPr algn="ctr" eaLnBrk="1" latinLnBrk="0" hangingPunct="1"/>
-            <a:endParaRPr kumimoji="0" lang="en-US"/>
+            <a:endParaRPr kumimoji="0" lang="en-US" sz="2400"/>
           </a:p>
         </p:txBody>
       </p:sp>
@@ -2973,7 +2700,7 @@
         <p:spPr>
           <a:xfrm>
             <a:off x="1" y="3649662"/>
-            <a:ext cx="9144000" cy="244170"/>
+            <a:ext cx="12192000" cy="244170"/>
           </a:xfrm>
           <a:prstGeom prst="rect">
             <a:avLst/>
@@ -3008,7 +2735,7 @@
           <a:lstStyle/>
           <a:p>
             <a:pPr algn="ctr" eaLnBrk="1" latinLnBrk="0" hangingPunct="1"/>
-            <a:endParaRPr kumimoji="0" lang="en-US"/>
+            <a:endParaRPr kumimoji="0" lang="en-US" sz="2400"/>
           </a:p>
         </p:txBody>
       </p:sp>
@@ -3020,8 +2747,8 @@
         </p:nvSpPr>
         <p:spPr>
           <a:xfrm>
-            <a:off x="0" y="3675527"/>
-            <a:ext cx="9144001" cy="140677"/>
+            <a:off x="1" y="3675528"/>
+            <a:ext cx="12192001" cy="140677"/>
           </a:xfrm>
           <a:prstGeom prst="rect">
             <a:avLst/>
@@ -3056,7 +2783,7 @@
           <a:lstStyle/>
           <a:p>
             <a:pPr algn="ctr" eaLnBrk="1" latinLnBrk="0" hangingPunct="1"/>
-            <a:endParaRPr kumimoji="0" lang="en-US"/>
+            <a:endParaRPr kumimoji="0" lang="en-US" sz="2400"/>
           </a:p>
         </p:txBody>
       </p:sp>
@@ -3068,8 +2795,8 @@
         </p:nvSpPr>
         <p:spPr>
           <a:xfrm flipV="1">
-            <a:off x="6414051" y="3643090"/>
-            <a:ext cx="2729950" cy="248432"/>
+            <a:off x="8552068" y="3643090"/>
+            <a:ext cx="3639933" cy="248432"/>
           </a:xfrm>
           <a:prstGeom prst="rect">
             <a:avLst/>
@@ -3104,7 +2831,7 @@
           <a:lstStyle/>
           <a:p>
             <a:pPr algn="ctr" eaLnBrk="1" latinLnBrk="0" hangingPunct="1"/>
-            <a:endParaRPr kumimoji="0" lang="en-US"/>
+            <a:endParaRPr kumimoji="0" lang="en-US" sz="2400"/>
           </a:p>
         </p:txBody>
       </p:sp>
@@ -3117,7 +2844,7 @@
         <p:spPr>
           <a:xfrm>
             <a:off x="0" y="0"/>
-            <a:ext cx="9144000" cy="3701700"/>
+            <a:ext cx="12192000" cy="3701700"/>
           </a:xfrm>
           <a:prstGeom prst="rect">
             <a:avLst/>
@@ -3152,7 +2879,7 @@
           <a:lstStyle/>
           <a:p>
             <a:pPr algn="ctr" eaLnBrk="1" latinLnBrk="0" hangingPunct="1"/>
-            <a:endParaRPr kumimoji="0" lang="en-US"/>
+            <a:endParaRPr kumimoji="0" lang="en-US" sz="2400"/>
           </a:p>
         </p:txBody>
       </p:sp>
@@ -3168,8 +2895,8 @@
         </p:nvSpPr>
         <p:spPr>
           <a:xfrm>
-            <a:off x="457200" y="2401887"/>
-            <a:ext cx="8458200" cy="1470025"/>
+            <a:off x="609600" y="2401888"/>
+            <a:ext cx="11277600" cy="1470025"/>
           </a:xfrm>
         </p:spPr>
         <p:txBody>
@@ -3204,8 +2931,8 @@
         </p:nvSpPr>
         <p:spPr>
           <a:xfrm>
-            <a:off x="457200" y="3899938"/>
-            <a:ext cx="4953000" cy="1752600"/>
+            <a:off x="609600" y="3899938"/>
+            <a:ext cx="6604000" cy="1752600"/>
           </a:xfrm>
         </p:spPr>
         <p:txBody>
@@ -3265,8 +2992,8 @@
         </p:nvSpPr>
         <p:spPr>
           <a:xfrm>
-            <a:off x="6705600" y="4206240"/>
-            <a:ext cx="960120" cy="457200"/>
+            <a:off x="8940800" y="4206240"/>
+            <a:ext cx="1280160" cy="457200"/>
           </a:xfrm>
         </p:spPr>
         <p:txBody>
@@ -3276,7 +3003,7 @@
             <a:fld id="{C3F416CD-67A3-4CF0-A210-F6AF31AC147F}" type="datetimeFigureOut">
               <a:rPr lang="en-US" smtClean="0"/>
               <a:pPr/>
-              <a:t>7/10/2025</a:t>
+              <a:t>11/18/2025</a:t>
             </a:fld>
             <a:endParaRPr lang="en-US"/>
           </a:p>
@@ -3294,8 +3021,8 @@
         </p:nvSpPr>
         <p:spPr>
           <a:xfrm>
-            <a:off x="5410200" y="4205288"/>
-            <a:ext cx="1295400" cy="457200"/>
+            <a:off x="7213600" y="4205288"/>
+            <a:ext cx="1727200" cy="457200"/>
           </a:xfrm>
         </p:spPr>
         <p:txBody>
@@ -3318,8 +3045,8 @@
         </p:nvSpPr>
         <p:spPr>
           <a:xfrm>
-            <a:off x="8320088" y="1136"/>
-            <a:ext cx="747712" cy="365760"/>
+            <a:off x="11093451" y="1136"/>
+            <a:ext cx="996949" cy="365760"/>
           </a:xfrm>
         </p:spPr>
         <p:txBody>
@@ -3466,7 +3193,7 @@
             <a:fld id="{C3F416CD-67A3-4CF0-A210-F6AF31AC147F}" type="datetimeFigureOut">
               <a:rPr lang="en-US" smtClean="0"/>
               <a:pPr/>
-              <a:t>7/10/2025</a:t>
+              <a:t>11/18/2025</a:t>
             </a:fld>
             <a:endParaRPr lang="en-US"/>
           </a:p>
@@ -3552,8 +3279,8 @@
         </p:nvSpPr>
         <p:spPr>
           <a:xfrm>
-            <a:off x="6781800" y="1143000"/>
-            <a:ext cx="1905000" cy="5486400"/>
+            <a:off x="9042400" y="1143000"/>
+            <a:ext cx="2540000" cy="5486400"/>
           </a:xfrm>
         </p:spPr>
         <p:txBody>
@@ -3580,8 +3307,8 @@
         </p:nvSpPr>
         <p:spPr>
           <a:xfrm>
-            <a:off x="457200" y="1143000"/>
-            <a:ext cx="6248400" cy="5486400"/>
+            <a:off x="609600" y="1143000"/>
+            <a:ext cx="8331200" cy="5486400"/>
           </a:xfrm>
         </p:spPr>
         <p:txBody>
@@ -3643,7 +3370,7 @@
             <a:fld id="{C3F416CD-67A3-4CF0-A210-F6AF31AC147F}" type="datetimeFigureOut">
               <a:rPr lang="en-US" smtClean="0"/>
               <a:pPr/>
-              <a:t>7/10/2025</a:t>
+              <a:t>11/18/2025</a:t>
             </a:fld>
             <a:endParaRPr lang="en-US"/>
           </a:p>
@@ -3810,7 +3537,7 @@
             <a:fld id="{C3F416CD-67A3-4CF0-A210-F6AF31AC147F}" type="datetimeFigureOut">
               <a:rPr lang="en-US" smtClean="0"/>
               <a:pPr/>
-              <a:t>7/10/2025</a:t>
+              <a:t>11/18/2025</a:t>
             </a:fld>
             <a:endParaRPr lang="en-US"/>
           </a:p>
@@ -3896,8 +3623,8 @@
         </p:nvSpPr>
         <p:spPr>
           <a:xfrm>
-            <a:off x="722313" y="1981200"/>
-            <a:ext cx="7772400" cy="1362075"/>
+            <a:off x="963084" y="1981201"/>
+            <a:ext cx="10363200" cy="1362075"/>
           </a:xfrm>
         </p:spPr>
         <p:txBody>
@@ -3950,8 +3677,8 @@
         </p:nvSpPr>
         <p:spPr>
           <a:xfrm>
-            <a:off x="722313" y="3367088"/>
-            <a:ext cx="7772400" cy="1509712"/>
+            <a:off x="963084" y="3367088"/>
+            <a:ext cx="10363200" cy="1509712"/>
           </a:xfrm>
         </p:spPr>
         <p:txBody>
@@ -4033,7 +3760,7 @@
             <a:fld id="{C3F416CD-67A3-4CF0-A210-F6AF31AC147F}" type="datetimeFigureOut">
               <a:rPr lang="en-US" smtClean="0"/>
               <a:pPr/>
-              <a:t>7/10/2025</a:t>
+              <a:t>11/18/2025</a:t>
             </a:fld>
             <a:endParaRPr lang="en-US"/>
           </a:p>
@@ -4142,8 +3869,8 @@
         </p:nvSpPr>
         <p:spPr>
           <a:xfrm>
-            <a:off x="457200" y="2249424"/>
-            <a:ext cx="4038600" cy="4525963"/>
+            <a:off x="609600" y="2249425"/>
+            <a:ext cx="5384800" cy="4525963"/>
           </a:xfrm>
         </p:spPr>
         <p:txBody>
@@ -4215,8 +3942,8 @@
         </p:nvSpPr>
         <p:spPr>
           <a:xfrm>
-            <a:off x="4648200" y="2249424"/>
-            <a:ext cx="4038600" cy="4525963"/>
+            <a:off x="6197600" y="2249425"/>
+            <a:ext cx="5384800" cy="4525963"/>
           </a:xfrm>
         </p:spPr>
         <p:txBody>
@@ -4294,7 +4021,7 @@
             <a:fld id="{C3F416CD-67A3-4CF0-A210-F6AF31AC147F}" type="datetimeFigureOut">
               <a:rPr lang="en-US" smtClean="0"/>
               <a:pPr/>
-              <a:t>7/10/2025</a:t>
+              <a:t>11/18/2025</a:t>
             </a:fld>
             <a:endParaRPr lang="en-US"/>
           </a:p>
@@ -4380,8 +4107,8 @@
         </p:nvSpPr>
         <p:spPr>
           <a:xfrm>
-            <a:off x="381000" y="1143000"/>
-            <a:ext cx="8382000" cy="1069848"/>
+            <a:off x="508000" y="1143000"/>
+            <a:ext cx="11176000" cy="1069848"/>
           </a:xfrm>
         </p:spPr>
         <p:txBody>
@@ -4412,8 +4139,8 @@
         </p:nvSpPr>
         <p:spPr>
           <a:xfrm>
-            <a:off x="381000" y="2244970"/>
-            <a:ext cx="4041648" cy="457200"/>
+            <a:off x="508000" y="2244970"/>
+            <a:ext cx="5388864" cy="457200"/>
           </a:xfrm>
           <a:solidFill>
             <a:schemeClr val="accent2">
@@ -4480,8 +4207,8 @@
         </p:nvSpPr>
         <p:spPr>
           <a:xfrm>
-            <a:off x="4721225" y="2244970"/>
-            <a:ext cx="4041775" cy="457200"/>
+            <a:off x="6294968" y="2244970"/>
+            <a:ext cx="5389033" cy="457200"/>
           </a:xfrm>
           <a:solidFill>
             <a:schemeClr val="accent2">
@@ -4548,8 +4275,8 @@
         </p:nvSpPr>
         <p:spPr>
           <a:xfrm>
-            <a:off x="381000" y="2708519"/>
-            <a:ext cx="4041648" cy="3886200"/>
+            <a:off x="508000" y="2708519"/>
+            <a:ext cx="5388864" cy="3886200"/>
           </a:xfrm>
         </p:spPr>
         <p:txBody>
@@ -4621,8 +4348,8 @@
         </p:nvSpPr>
         <p:spPr>
           <a:xfrm>
-            <a:off x="4718304" y="2708519"/>
-            <a:ext cx="4041775" cy="3886200"/>
+            <a:off x="6291073" y="2708519"/>
+            <a:ext cx="5389033" cy="3886200"/>
           </a:xfrm>
         </p:spPr>
         <p:txBody>
@@ -4701,7 +4428,7 @@
             <a:fld id="{C3F416CD-67A3-4CF0-A210-F6AF31AC147F}" type="datetimeFigureOut">
               <a:rPr lang="en-US" smtClean="0"/>
               <a:pPr algn="l" eaLnBrk="1" latinLnBrk="0" hangingPunct="1"/>
-              <a:t>7/10/2025</a:t>
+              <a:t>11/18/2025</a:t>
             </a:fld>
             <a:endParaRPr lang="en-US"/>
           </a:p>
@@ -4788,8 +4515,8 @@
         </p:nvSpPr>
         <p:spPr>
           <a:xfrm>
-            <a:off x="457200" y="1143000"/>
-            <a:ext cx="8229600" cy="1069848"/>
+            <a:off x="609600" y="1143000"/>
+            <a:ext cx="10972800" cy="1069848"/>
           </a:xfrm>
         </p:spPr>
         <p:txBody>
@@ -4824,8 +4551,8 @@
         </p:nvSpPr>
         <p:spPr>
           <a:xfrm>
-            <a:off x="6583680" y="612648"/>
-            <a:ext cx="957264" cy="457200"/>
+            <a:off x="8778240" y="612648"/>
+            <a:ext cx="1276352" cy="457200"/>
           </a:xfrm>
         </p:spPr>
         <p:txBody>
@@ -4835,7 +4562,7 @@
             <a:fld id="{C3F416CD-67A3-4CF0-A210-F6AF31AC147F}" type="datetimeFigureOut">
               <a:rPr lang="en-US" smtClean="0"/>
               <a:pPr/>
-              <a:t>7/10/2025</a:t>
+              <a:t>11/18/2025</a:t>
             </a:fld>
             <a:endParaRPr lang="en-US"/>
           </a:p>
@@ -4853,8 +4580,8 @@
         </p:nvSpPr>
         <p:spPr>
           <a:xfrm>
-            <a:off x="5257800" y="612648"/>
-            <a:ext cx="1325880" cy="457200"/>
+            <a:off x="7010400" y="612648"/>
+            <a:ext cx="1767840" cy="457200"/>
           </a:xfrm>
         </p:spPr>
         <p:txBody>
@@ -4877,8 +4604,8 @@
         </p:nvSpPr>
         <p:spPr>
           <a:xfrm>
-            <a:off x="8174736" y="2272"/>
-            <a:ext cx="762000" cy="365760"/>
+            <a:off x="10899648" y="2272"/>
+            <a:ext cx="1016000" cy="365760"/>
           </a:xfrm>
         </p:spPr>
         <p:txBody>
@@ -4937,7 +4664,7 @@
             <a:fld id="{C3F416CD-67A3-4CF0-A210-F6AF31AC147F}" type="datetimeFigureOut">
               <a:rPr lang="en-US" smtClean="0"/>
               <a:pPr/>
-              <a:t>7/10/2025</a:t>
+              <a:t>11/18/2025</a:t>
             </a:fld>
             <a:endParaRPr lang="en-US"/>
           </a:p>
@@ -5023,8 +4750,8 @@
         </p:nvSpPr>
         <p:spPr>
           <a:xfrm>
-            <a:off x="5353496" y="1101970"/>
-            <a:ext cx="3383280" cy="877824"/>
+            <a:off x="7137995" y="1101970"/>
+            <a:ext cx="4511040" cy="877824"/>
           </a:xfrm>
         </p:spPr>
         <p:txBody>
@@ -5056,8 +4783,8 @@
         </p:nvSpPr>
         <p:spPr>
           <a:xfrm>
-            <a:off x="5353496" y="2010727"/>
-            <a:ext cx="3383280" cy="4617720"/>
+            <a:off x="7137995" y="2010727"/>
+            <a:ext cx="4511040" cy="4617720"/>
           </a:xfrm>
         </p:spPr>
         <p:txBody>
@@ -5105,8 +4832,8 @@
         </p:nvSpPr>
         <p:spPr>
           <a:xfrm>
-            <a:off x="152400" y="776287"/>
-            <a:ext cx="5102352" cy="5852160"/>
+            <a:off x="203200" y="776287"/>
+            <a:ext cx="6803136" cy="5852160"/>
           </a:xfrm>
         </p:spPr>
         <p:txBody>
@@ -5184,7 +4911,7 @@
             <a:fld id="{C3F416CD-67A3-4CF0-A210-F6AF31AC147F}" type="datetimeFigureOut">
               <a:rPr lang="en-US" smtClean="0"/>
               <a:pPr/>
-              <a:t>7/10/2025</a:t>
+              <a:t>11/18/2025</a:t>
             </a:fld>
             <a:endParaRPr lang="en-US"/>
           </a:p>
@@ -5270,8 +4997,8 @@
         </p:nvSpPr>
         <p:spPr>
           <a:xfrm>
-            <a:off x="5440434" y="1109160"/>
-            <a:ext cx="586803" cy="4681637"/>
+            <a:off x="7253913" y="1109161"/>
+            <a:ext cx="782404" cy="4681637"/>
           </a:xfrm>
         </p:spPr>
         <p:txBody>
@@ -5303,8 +5030,8 @@
         </p:nvSpPr>
         <p:spPr>
           <a:xfrm>
-            <a:off x="403671" y="1143000"/>
-            <a:ext cx="4572000" cy="4572000"/>
+            <a:off x="538228" y="1143000"/>
+            <a:ext cx="6096000" cy="4572000"/>
           </a:xfrm>
           <a:solidFill>
             <a:srgbClr val="EAEAEA"/>
@@ -5364,8 +5091,8 @@
         </p:nvSpPr>
         <p:spPr>
           <a:xfrm>
-            <a:off x="6088443" y="3274308"/>
-            <a:ext cx="2590800" cy="2516489"/>
+            <a:off x="8117924" y="3274309"/>
+            <a:ext cx="3454400" cy="2516489"/>
           </a:xfrm>
         </p:spPr>
         <p:txBody>
@@ -5430,7 +5157,7 @@
             <a:fld id="{C3F416CD-67A3-4CF0-A210-F6AF31AC147F}" type="datetimeFigureOut">
               <a:rPr lang="en-US" smtClean="0"/>
               <a:pPr/>
-              <a:t>7/10/2025</a:t>
+              <a:t>11/18/2025</a:t>
             </a:fld>
             <a:endParaRPr lang="en-US"/>
           </a:p>
@@ -5517,8 +5244,8 @@
         </p:nvSpPr>
         <p:spPr>
           <a:xfrm>
-            <a:off x="1" y="366818"/>
-            <a:ext cx="9144000" cy="84407"/>
+            <a:off x="1" y="366819"/>
+            <a:ext cx="12192000" cy="84407"/>
           </a:xfrm>
           <a:prstGeom prst="rect">
             <a:avLst/>
@@ -5553,7 +5280,7 @@
           <a:lstStyle/>
           <a:p>
             <a:pPr algn="ctr" eaLnBrk="1" latinLnBrk="0" hangingPunct="1"/>
-            <a:endParaRPr kumimoji="0" lang="en-US"/>
+            <a:endParaRPr kumimoji="0" lang="en-US" sz="2400"/>
           </a:p>
         </p:txBody>
       </p:sp>
@@ -5566,7 +5293,7 @@
         <p:spPr>
           <a:xfrm>
             <a:off x="0" y="-1"/>
-            <a:ext cx="9144000" cy="310663"/>
+            <a:ext cx="12192000" cy="310663"/>
           </a:xfrm>
           <a:prstGeom prst="rect">
             <a:avLst/>
@@ -5601,7 +5328,7 @@
           <a:lstStyle/>
           <a:p>
             <a:pPr algn="ctr" eaLnBrk="1" latinLnBrk="0" hangingPunct="1"/>
-            <a:endParaRPr kumimoji="0" lang="en-US"/>
+            <a:endParaRPr kumimoji="0" lang="en-US" sz="2400"/>
           </a:p>
         </p:txBody>
       </p:sp>
@@ -5613,8 +5340,8 @@
         </p:nvSpPr>
         <p:spPr>
           <a:xfrm>
-            <a:off x="0" y="308276"/>
-            <a:ext cx="9144001" cy="91441"/>
+            <a:off x="1" y="308277"/>
+            <a:ext cx="12192001" cy="91441"/>
           </a:xfrm>
           <a:prstGeom prst="rect">
             <a:avLst/>
@@ -5649,7 +5376,7 @@
           <a:lstStyle/>
           <a:p>
             <a:pPr algn="ctr" eaLnBrk="1" latinLnBrk="0" hangingPunct="1"/>
-            <a:endParaRPr kumimoji="0" lang="en-US"/>
+            <a:endParaRPr kumimoji="0" lang="en-US" sz="2400"/>
           </a:p>
         </p:txBody>
       </p:sp>
@@ -5661,8 +5388,8 @@
         </p:nvSpPr>
         <p:spPr>
           <a:xfrm flipV="1">
-            <a:off x="5410182" y="360246"/>
-            <a:ext cx="3733819" cy="91087"/>
+            <a:off x="7213577" y="360247"/>
+            <a:ext cx="4978425" cy="91087"/>
           </a:xfrm>
           <a:prstGeom prst="rect">
             <a:avLst/>
@@ -5697,7 +5424,7 @@
           <a:lstStyle/>
           <a:p>
             <a:pPr algn="ctr" eaLnBrk="1" latinLnBrk="0" hangingPunct="1"/>
-            <a:endParaRPr kumimoji="0" lang="en-US"/>
+            <a:endParaRPr kumimoji="0" lang="en-US" sz="2400"/>
           </a:p>
         </p:txBody>
       </p:sp>
@@ -5709,8 +5436,8 @@
         </p:nvSpPr>
         <p:spPr>
           <a:xfrm flipV="1">
-            <a:off x="5410200" y="440112"/>
-            <a:ext cx="3733801" cy="180035"/>
+            <a:off x="7213601" y="440113"/>
+            <a:ext cx="4978401" cy="180035"/>
           </a:xfrm>
           <a:prstGeom prst="rect">
             <a:avLst/>
@@ -5745,7 +5472,7 @@
           <a:lstStyle/>
           <a:p>
             <a:pPr algn="ctr" eaLnBrk="1" latinLnBrk="0" hangingPunct="1"/>
-            <a:endParaRPr kumimoji="0" lang="en-US"/>
+            <a:endParaRPr kumimoji="0" lang="en-US" sz="2400"/>
           </a:p>
         </p:txBody>
       </p:sp>
@@ -5757,8 +5484,8 @@
         </p:nvSpPr>
         <p:spPr bwMode="white">
           <a:xfrm>
-            <a:off x="5407339" y="497504"/>
-            <a:ext cx="3063240" cy="27432"/>
+            <a:off x="7209785" y="497504"/>
+            <a:ext cx="4084320" cy="27432"/>
           </a:xfrm>
           <a:prstGeom prst="roundRect">
             <a:avLst>
@@ -5790,7 +5517,7 @@
           <a:lstStyle/>
           <a:p>
             <a:pPr algn="ctr" eaLnBrk="1" latinLnBrk="0" hangingPunct="1"/>
-            <a:endParaRPr kumimoji="0" lang="en-US"/>
+            <a:endParaRPr kumimoji="0" lang="en-US" sz="2400"/>
           </a:p>
         </p:txBody>
       </p:sp>
@@ -5802,8 +5529,8 @@
         </p:nvSpPr>
         <p:spPr bwMode="white">
           <a:xfrm>
-            <a:off x="7373646" y="588943"/>
-            <a:ext cx="1600200" cy="36576"/>
+            <a:off x="9831528" y="588943"/>
+            <a:ext cx="2133600" cy="36576"/>
           </a:xfrm>
           <a:prstGeom prst="roundRect">
             <a:avLst>
@@ -5835,7 +5562,7 @@
           <a:lstStyle/>
           <a:p>
             <a:pPr algn="ctr" eaLnBrk="1" latinLnBrk="0" hangingPunct="1"/>
-            <a:endParaRPr kumimoji="0" lang="en-US"/>
+            <a:endParaRPr kumimoji="0" lang="en-US" sz="2400"/>
           </a:p>
         </p:txBody>
       </p:sp>
@@ -5847,8 +5574,8 @@
         </p:nvSpPr>
         <p:spPr bwMode="invGray">
           <a:xfrm>
-            <a:off x="9084966" y="-2001"/>
-            <a:ext cx="57626" cy="621792"/>
+            <a:off x="12113288" y="-2001"/>
+            <a:ext cx="76835" cy="621792"/>
           </a:xfrm>
           <a:prstGeom prst="rect">
             <a:avLst/>
@@ -5883,7 +5610,7 @@
           <a:lstStyle/>
           <a:p>
             <a:pPr algn="ctr" eaLnBrk="1" latinLnBrk="0" hangingPunct="1"/>
-            <a:endParaRPr kumimoji="0" lang="en-US" dirty="0"/>
+            <a:endParaRPr kumimoji="0" lang="en-US" sz="2400" dirty="0"/>
           </a:p>
         </p:txBody>
       </p:sp>
@@ -5895,8 +5622,8 @@
         </p:nvSpPr>
         <p:spPr bwMode="invGray">
           <a:xfrm>
-            <a:off x="9044481" y="-2001"/>
-            <a:ext cx="27432" cy="621792"/>
+            <a:off x="12059308" y="-2001"/>
+            <a:ext cx="36576" cy="621792"/>
           </a:xfrm>
           <a:prstGeom prst="rect">
             <a:avLst/>
@@ -5931,7 +5658,7 @@
           <a:lstStyle/>
           <a:p>
             <a:pPr algn="ctr" eaLnBrk="1" latinLnBrk="0" hangingPunct="1"/>
-            <a:endParaRPr kumimoji="0" lang="en-US" dirty="0"/>
+            <a:endParaRPr kumimoji="0" lang="en-US" sz="2400" dirty="0"/>
           </a:p>
         </p:txBody>
       </p:sp>
@@ -5943,8 +5670,8 @@
         </p:nvSpPr>
         <p:spPr bwMode="invGray">
           <a:xfrm>
-            <a:off x="9025428" y="-2001"/>
-            <a:ext cx="9144" cy="621792"/>
+            <a:off x="12033904" y="-2001"/>
+            <a:ext cx="12192" cy="621792"/>
           </a:xfrm>
           <a:prstGeom prst="rect">
             <a:avLst/>
@@ -5979,7 +5706,7 @@
           <a:lstStyle/>
           <a:p>
             <a:pPr algn="ctr" eaLnBrk="1" latinLnBrk="0" hangingPunct="1"/>
-            <a:endParaRPr kumimoji="0" lang="en-US"/>
+            <a:endParaRPr kumimoji="0" lang="en-US" sz="2400"/>
           </a:p>
         </p:txBody>
       </p:sp>
@@ -5991,8 +5718,8 @@
         </p:nvSpPr>
         <p:spPr bwMode="invGray">
           <a:xfrm>
-            <a:off x="8975423" y="-2001"/>
-            <a:ext cx="27432" cy="621792"/>
+            <a:off x="11967231" y="-2001"/>
+            <a:ext cx="36576" cy="621792"/>
           </a:xfrm>
           <a:prstGeom prst="rect">
             <a:avLst/>
@@ -6027,7 +5754,7 @@
           <a:lstStyle/>
           <a:p>
             <a:pPr algn="ctr" eaLnBrk="1" latinLnBrk="0" hangingPunct="1"/>
-            <a:endParaRPr kumimoji="0" lang="en-US"/>
+            <a:endParaRPr kumimoji="0" lang="en-US" sz="2400"/>
           </a:p>
         </p:txBody>
       </p:sp>
@@ -6039,8 +5766,8 @@
         </p:nvSpPr>
         <p:spPr bwMode="invGray">
           <a:xfrm>
-            <a:off x="8915677" y="380"/>
-            <a:ext cx="54864" cy="585216"/>
+            <a:off x="11887569" y="380"/>
+            <a:ext cx="73152" cy="585216"/>
           </a:xfrm>
           <a:prstGeom prst="rect">
             <a:avLst/>
@@ -6075,7 +5802,7 @@
           <a:lstStyle/>
           <a:p>
             <a:pPr algn="ctr" eaLnBrk="1" latinLnBrk="0" hangingPunct="1"/>
-            <a:endParaRPr kumimoji="0" lang="en-US"/>
+            <a:endParaRPr kumimoji="0" lang="en-US" sz="2400"/>
           </a:p>
         </p:txBody>
       </p:sp>
@@ -6087,8 +5814,8 @@
         </p:nvSpPr>
         <p:spPr bwMode="invGray">
           <a:xfrm>
-            <a:off x="8873475" y="380"/>
-            <a:ext cx="9144" cy="585216"/>
+            <a:off x="11831300" y="380"/>
+            <a:ext cx="12192" cy="585216"/>
           </a:xfrm>
           <a:prstGeom prst="rect">
             <a:avLst/>
@@ -6123,7 +5850,7 @@
           <a:lstStyle/>
           <a:p>
             <a:pPr algn="ctr" eaLnBrk="1" latinLnBrk="0" hangingPunct="1"/>
-            <a:endParaRPr kumimoji="0" lang="en-US" dirty="0"/>
+            <a:endParaRPr kumimoji="0" lang="en-US" sz="2400" dirty="0"/>
           </a:p>
         </p:txBody>
       </p:sp>
@@ -6139,8 +5866,8 @@
         </p:nvSpPr>
         <p:spPr>
           <a:xfrm>
-            <a:off x="457200" y="1143000"/>
-            <a:ext cx="8229600" cy="1066800"/>
+            <a:off x="609600" y="1143000"/>
+            <a:ext cx="10972800" cy="1066800"/>
           </a:xfrm>
           <a:prstGeom prst="rect">
             <a:avLst/>
@@ -6172,8 +5899,8 @@
         </p:nvSpPr>
         <p:spPr>
           <a:xfrm>
-            <a:off x="457200" y="2249424"/>
-            <a:ext cx="8229600" cy="4325112"/>
+            <a:off x="609600" y="2249424"/>
+            <a:ext cx="10972800" cy="4325112"/>
           </a:xfrm>
           <a:prstGeom prst="rect">
             <a:avLst/>
@@ -6234,8 +5961,8 @@
         </p:nvSpPr>
         <p:spPr>
           <a:xfrm>
-            <a:off x="6586536" y="612648"/>
-            <a:ext cx="957264" cy="457200"/>
+            <a:off x="8782048" y="612648"/>
+            <a:ext cx="1276352" cy="457200"/>
           </a:xfrm>
           <a:prstGeom prst="rect">
             <a:avLst/>
@@ -6257,7 +5984,7 @@
             <a:fld id="{C3F416CD-67A3-4CF0-A210-F6AF31AC147F}" type="datetimeFigureOut">
               <a:rPr lang="en-US" smtClean="0"/>
               <a:pPr algn="l" eaLnBrk="1" latinLnBrk="0" hangingPunct="1"/>
-              <a:t>7/10/2025</a:t>
+              <a:t>11/18/2025</a:t>
             </a:fld>
             <a:endParaRPr lang="en-US" sz="800" dirty="0">
               <a:solidFill>
@@ -6279,8 +6006,8 @@
         </p:nvSpPr>
         <p:spPr>
           <a:xfrm>
-            <a:off x="5257800" y="612648"/>
-            <a:ext cx="1325880" cy="457200"/>
+            <a:off x="7010400" y="612648"/>
+            <a:ext cx="1767840" cy="457200"/>
           </a:xfrm>
           <a:prstGeom prst="rect">
             <a:avLst/>
@@ -6319,8 +6046,8 @@
         </p:nvSpPr>
         <p:spPr>
           <a:xfrm>
-            <a:off x="8174736" y="2272"/>
-            <a:ext cx="762000" cy="365760"/>
+            <a:off x="10899648" y="2272"/>
+            <a:ext cx="1016000" cy="365760"/>
           </a:xfrm>
           <a:prstGeom prst="rect">
             <a:avLst/>
@@ -6706,19 +6433,27 @@
           <a:p>
             <a:r>
               <a:rPr lang="uk-UA" dirty="0"/>
-              <a:t>Знайомимось з містами </a:t>
+              <a:t>Знайомимось з </a:t>
+            </a:r>
+            <a:r>
+              <a:rPr lang="uk-UA" dirty="0">
+                <a:solidFill>
+                  <a:srgbClr val="000000"/>
+                </a:solidFill>
+              </a:rPr>
+              <a:t>містами </a:t>
             </a:r>
             <a:r>
               <a:rPr lang="uk-UA" dirty="0" err="1">
                 <a:solidFill>
-                  <a:srgbClr val="00B050"/>
+                  <a:srgbClr val="000000"/>
                 </a:solidFill>
               </a:rPr>
               <a:t>Украни</a:t>
             </a:r>
             <a:endParaRPr lang="uk-UA" dirty="0">
               <a:solidFill>
-                <a:srgbClr val="00B050"/>
+                <a:srgbClr val="000000"/>
               </a:solidFill>
             </a:endParaRPr>
           </a:p>
@@ -6780,13 +6515,14 @@
           <a:bodyPr/>
           <a:lstStyle/>
           <a:p>
+            <a:pPr algn="ctr"/>
             <a:r>
               <a:rPr lang="uk-UA" dirty="0">
                 <a:solidFill>
-                  <a:srgbClr val="00B050"/>
-                </a:solidFill>
-              </a:rPr>
-              <a:t>підпишіть</a:t>
+                  <a:srgbClr val="000000"/>
+                </a:solidFill>
+              </a:rPr>
+              <a:t>???</a:t>
             </a:r>
           </a:p>
         </p:txBody>
@@ -6809,7 +6545,7 @@
         </p:blipFill>
         <p:spPr>
           <a:xfrm>
-            <a:off x="1324678" y="2249488"/>
+            <a:off x="2848678" y="2420888"/>
             <a:ext cx="6494644" cy="4324350"/>
           </a:xfrm>
         </p:spPr>
@@ -6849,18 +6585,16 @@
             <p:ph type="title"/>
           </p:nvPr>
         </p:nvSpPr>
-        <p:spPr>
-          <a:noFill/>
-        </p:spPr>
+        <p:spPr/>
         <p:style>
-          <a:lnRef idx="2">
-            <a:schemeClr val="dk1"/>
+          <a:lnRef idx="1">
+            <a:schemeClr val="accent6"/>
           </a:lnRef>
-          <a:fillRef idx="1">
-            <a:schemeClr val="lt1"/>
+          <a:fillRef idx="2">
+            <a:schemeClr val="accent6"/>
           </a:fillRef>
-          <a:effectRef idx="0">
-            <a:schemeClr val="dk1"/>
+          <a:effectRef idx="1">
+            <a:schemeClr val="accent6"/>
           </a:effectRef>
           <a:fontRef idx="minor">
             <a:schemeClr val="dk1"/>
@@ -6895,7 +6629,7 @@
         </p:blipFill>
         <p:spPr>
           <a:xfrm>
-            <a:off x="492252" y="2409349"/>
+            <a:off x="1559496" y="2409286"/>
             <a:ext cx="3968496" cy="4206240"/>
           </a:xfrm>
           <a:prstGeom prst="rect">
@@ -6927,7 +6661,12 @@
             <p:ph sz="half" idx="2"/>
           </p:nvPr>
         </p:nvSpPr>
-        <p:spPr/>
+        <p:spPr>
+          <a:xfrm>
+            <a:off x="6197600" y="2329355"/>
+            <a:ext cx="5384800" cy="4366101"/>
+          </a:xfrm>
+        </p:spPr>
         <p:txBody>
           <a:bodyPr/>
           <a:lstStyle/>
@@ -6935,45 +6674,71 @@
             <a:pPr marL="0" indent="0">
               <a:buNone/>
             </a:pPr>
-            <a:r>
-              <a:rPr lang="uk-UA" sz="2400" dirty="0"/>
+            <a:endParaRPr lang="uk-UA" sz="2800" dirty="0">
+              <a:solidFill>
+                <a:srgbClr val="000000"/>
+              </a:solidFill>
+            </a:endParaRPr>
+          </a:p>
+          <a:p>
+            <a:pPr marL="0" indent="0">
+              <a:buNone/>
+            </a:pPr>
+            <a:r>
+              <a:rPr lang="uk-UA" sz="2800" dirty="0">
+                <a:solidFill>
+                  <a:srgbClr val="000000"/>
+                </a:solidFill>
+              </a:rPr>
               <a:t>Перша </a:t>
             </a:r>
             <a:r>
-              <a:rPr lang="uk-UA" sz="2400" dirty="0" err="1">
-                <a:solidFill>
-                  <a:srgbClr val="00B050"/>
+              <a:rPr lang="uk-UA" sz="2800" dirty="0" err="1">
+                <a:solidFill>
+                  <a:srgbClr val="000000"/>
                 </a:solidFill>
               </a:rPr>
               <a:t>згадддка</a:t>
             </a:r>
             <a:r>
-              <a:rPr lang="uk-UA" sz="2400" dirty="0"/>
+              <a:rPr lang="uk-UA" sz="2800" dirty="0">
+                <a:solidFill>
+                  <a:srgbClr val="000000"/>
+                </a:solidFill>
+              </a:rPr>
               <a:t> - 482 рік. </a:t>
             </a:r>
             <a:r>
-              <a:rPr lang="uk-UA" sz="2400" dirty="0" err="1">
-                <a:solidFill>
-                  <a:srgbClr val="00B050"/>
+              <a:rPr lang="uk-UA" sz="2800" dirty="0" err="1">
+                <a:solidFill>
+                  <a:srgbClr val="000000"/>
                 </a:solidFill>
               </a:rPr>
               <a:t>Розмііщщений</a:t>
             </a:r>
             <a:r>
-              <a:rPr lang="uk-UA" sz="2400" dirty="0"/>
+              <a:rPr lang="uk-UA" sz="2800" dirty="0">
+                <a:solidFill>
+                  <a:srgbClr val="000000"/>
+                </a:solidFill>
+              </a:rPr>
               <a:t> на березі Дніпра. </a:t>
             </a:r>
             <a:r>
-              <a:rPr lang="uk-UA" sz="2400" dirty="0" err="1">
-                <a:solidFill>
-                  <a:srgbClr val="00B050"/>
+              <a:rPr lang="uk-UA" sz="2800" dirty="0" err="1">
+                <a:solidFill>
+                  <a:srgbClr val="000000"/>
                 </a:solidFill>
               </a:rPr>
               <a:t>Заснвники</a:t>
             </a:r>
             <a:r>
-              <a:rPr lang="uk-UA" sz="2400" dirty="0"/>
-              <a:t> – брати Кий, Щек, Хорив і їх сестра Либідь</a:t>
+              <a:rPr lang="uk-UA" sz="2800" dirty="0">
+                <a:solidFill>
+                  <a:srgbClr val="000000"/>
+                </a:solidFill>
+              </a:rPr>
+              <a:t> – брати Кий, Щек, Хорив і їх сестра Либідь.</a:t>
             </a:r>
           </a:p>
           <a:p>
@@ -7064,7 +6829,7 @@
           <a:p>
             <a:pPr algn="ctr"/>
             <a:r>
-              <a:rPr lang="uk-UA" b="0" dirty="0"/>
+              <a:rPr lang="uk-UA" sz="2000" b="0" dirty="0"/>
               <a:t>Софійський собор</a:t>
             </a:r>
           </a:p>
@@ -7087,16 +6852,24 @@
           <a:p>
             <a:pPr algn="ctr"/>
             <a:r>
-              <a:rPr lang="uk-UA" b="0" dirty="0" err="1">
-                <a:solidFill>
-                  <a:srgbClr val="00B050"/>
+              <a:rPr lang="uk-UA" sz="2000" b="0" dirty="0" err="1">
+                <a:solidFill>
+                  <a:srgbClr val="000000"/>
                 </a:solidFill>
               </a:rPr>
               <a:t>Майан</a:t>
             </a:r>
             <a:r>
-              <a:rPr lang="uk-UA" b="0" dirty="0"/>
-              <a:t> незалежності</a:t>
+              <a:rPr lang="uk-UA" sz="2000" b="0" dirty="0">
+                <a:solidFill>
+                  <a:srgbClr val="000000"/>
+                </a:solidFill>
+              </a:rPr>
+              <a:t> </a:t>
+            </a:r>
+            <a:r>
+              <a:rPr lang="uk-UA" sz="2000" b="0" dirty="0"/>
+              <a:t>незалежності</a:t>
             </a:r>
           </a:p>
         </p:txBody>
@@ -7119,7 +6892,7 @@
         </p:blipFill>
         <p:spPr>
           <a:xfrm>
-            <a:off x="893127" y="2822575"/>
+            <a:off x="2417127" y="2822575"/>
             <a:ext cx="3017520" cy="3657600"/>
           </a:xfrm>
           <a:prstGeom prst="rect">
@@ -7159,7 +6932,7 @@
         </p:blipFill>
         <p:spPr>
           <a:xfrm>
-            <a:off x="4981511" y="2822575"/>
+            <a:off x="3780599" y="3068960"/>
             <a:ext cx="3308096" cy="3657600"/>
           </a:xfrm>
           <a:prstGeom prst="rect">
@@ -7237,6 +7010,7 @@
           <a:bodyPr/>
           <a:lstStyle/>
           <a:p>
+            <a:pPr algn="ctr"/>
             <a:r>
               <a:rPr lang="uk-UA" dirty="0"/>
               <a:t>Київ сучасний</a:t>
@@ -7261,9 +7035,9 @@
           </a:stretch>
         </p:blipFill>
         <p:spPr>
-          <a:xfrm>
-            <a:off x="1333500" y="2988469"/>
-            <a:ext cx="2286000" cy="3048000"/>
+          <a:xfrm rot="18458442">
+            <a:off x="1919536" y="2636912"/>
+            <a:ext cx="2736304" cy="3648405"/>
           </a:xfrm>
           <a:prstGeom prst="rect">
             <a:avLst/>
@@ -7294,7 +7068,12 @@
             <p:ph sz="half" idx="2"/>
           </p:nvPr>
         </p:nvSpPr>
-        <p:spPr/>
+        <p:spPr>
+          <a:xfrm>
+            <a:off x="5879976" y="2636654"/>
+            <a:ext cx="5384800" cy="3888432"/>
+          </a:xfrm>
+        </p:spPr>
         <p:txBody>
           <a:bodyPr/>
           <a:lstStyle/>
@@ -7319,47 +7098,67 @@
               <a:buNone/>
             </a:pPr>
             <a:r>
-              <a:rPr lang="uk-UA" sz="2400" dirty="0" err="1">
-                <a:solidFill>
-                  <a:srgbClr val="00B050"/>
+              <a:rPr lang="uk-UA" sz="2800" dirty="0" err="1">
+                <a:solidFill>
+                  <a:srgbClr val="000000"/>
                 </a:solidFill>
               </a:rPr>
               <a:t>Сталиця</a:t>
             </a:r>
             <a:r>
-              <a:rPr lang="uk-UA" sz="2400" dirty="0"/>
+              <a:rPr lang="uk-UA" sz="2800" dirty="0">
+                <a:solidFill>
+                  <a:srgbClr val="000000"/>
+                </a:solidFill>
+              </a:rPr>
               <a:t> України. Населення – близько 3 млн. </a:t>
             </a:r>
             <a:r>
-              <a:rPr lang="uk-UA" sz="2400" dirty="0" err="1">
-                <a:solidFill>
-                  <a:srgbClr val="00B050"/>
+              <a:rPr lang="uk-UA" sz="2800" dirty="0" err="1">
+                <a:solidFill>
+                  <a:srgbClr val="000000"/>
                 </a:solidFill>
               </a:rPr>
               <a:t>Центальна</a:t>
             </a:r>
             <a:r>
-              <a:rPr lang="uk-UA" sz="2400" dirty="0"/>
+              <a:rPr lang="uk-UA" sz="2800" dirty="0">
+                <a:solidFill>
+                  <a:srgbClr val="000000"/>
+                </a:solidFill>
+              </a:rPr>
               <a:t> </a:t>
             </a:r>
             <a:r>
-              <a:rPr lang="uk-UA" sz="2400" dirty="0" err="1">
-                <a:solidFill>
-                  <a:srgbClr val="00B050"/>
+              <a:rPr lang="uk-UA" sz="2800" dirty="0" err="1">
+                <a:solidFill>
+                  <a:srgbClr val="000000"/>
                 </a:solidFill>
               </a:rPr>
               <a:t>вулеця</a:t>
             </a:r>
             <a:r>
-              <a:rPr lang="uk-UA" sz="2400" dirty="0"/>
+              <a:rPr lang="uk-UA" sz="2800" dirty="0">
+                <a:solidFill>
+                  <a:srgbClr val="000000"/>
+                </a:solidFill>
+              </a:rPr>
               <a:t> – Хрещатик.</a:t>
             </a:r>
             <a:r>
-              <a:rPr lang="en-US" sz="2400" dirty="0"/>
+              <a:rPr lang="en-US" sz="2800" dirty="0">
+                <a:solidFill>
+                  <a:srgbClr val="000000"/>
+                </a:solidFill>
+              </a:rPr>
               <a:t> </a:t>
             </a:r>
             <a:r>
-              <a:rPr lang="uk-UA" sz="2400" dirty="0"/>
+              <a:rPr lang="uk-UA" sz="2800" dirty="0">
+                <a:solidFill>
+                  <a:srgbClr val="000000"/>
+                </a:solidFill>
+              </a:rPr>
               <a:t>Головна площа – Майдан Незалежності.</a:t>
             </a:r>
           </a:p>
@@ -7429,6 +7228,7 @@
           <a:bodyPr/>
           <a:lstStyle/>
           <a:p>
+            <a:pPr algn="ctr"/>
             <a:r>
               <a:rPr lang="uk-UA" dirty="0" err="1"/>
               <a:t>Ки</a:t>
@@ -7436,14 +7236,10 @@
             <a:r>
               <a:rPr lang="uk-UA" dirty="0" err="1">
                 <a:solidFill>
-                  <a:srgbClr val="00B050"/>
-                </a:solidFill>
-              </a:rPr>
-              <a:t>є</a:t>
-            </a:r>
-            <a:r>
-              <a:rPr lang="uk-UA" dirty="0" err="1"/>
-              <a:t>в</a:t>
+                  <a:srgbClr val="000000"/>
+                </a:solidFill>
+              </a:rPr>
+              <a:t>єв</a:t>
             </a:r>
             <a:r>
               <a:rPr lang="uk-UA" dirty="0"/>
@@ -7462,6 +7258,34 @@
             <p:ph type="body" idx="1"/>
           </p:nvPr>
         </p:nvSpPr>
+        <p:spPr>
+          <a:xfrm>
+            <a:off x="1756527" y="2951791"/>
+            <a:ext cx="5388864" cy="457200"/>
+          </a:xfrm>
+        </p:spPr>
+        <p:txBody>
+          <a:bodyPr/>
+          <a:lstStyle/>
+          <a:p>
+            <a:pPr algn="ctr"/>
+            <a:r>
+              <a:rPr lang="uk-UA" sz="2000" b="0" dirty="0"/>
+              <a:t>Києво-Печерська Лавра</a:t>
+            </a:r>
+          </a:p>
+        </p:txBody>
+      </p:sp>
+      <p:sp>
+        <p:nvSpPr>
+          <p:cNvPr id="5" name="Текст 4"/>
+          <p:cNvSpPr>
+            <a:spLocks noGrp="1"/>
+          </p:cNvSpPr>
+          <p:nvPr>
+            <p:ph type="body" sz="half" idx="3"/>
+          </p:nvPr>
+        </p:nvSpPr>
         <p:spPr/>
         <p:txBody>
           <a:bodyPr/>
@@ -7469,30 +7293,7 @@
           <a:p>
             <a:pPr algn="ctr"/>
             <a:r>
-              <a:rPr lang="uk-UA" b="0" dirty="0"/>
-              <a:t>Києво-Печерська Лавра</a:t>
-            </a:r>
-          </a:p>
-        </p:txBody>
-      </p:sp>
-      <p:sp>
-        <p:nvSpPr>
-          <p:cNvPr id="5" name="Текст 4"/>
-          <p:cNvSpPr>
-            <a:spLocks noGrp="1"/>
-          </p:cNvSpPr>
-          <p:nvPr>
-            <p:ph type="body" sz="half" idx="3"/>
-          </p:nvPr>
-        </p:nvSpPr>
-        <p:spPr/>
-        <p:txBody>
-          <a:bodyPr/>
-          <a:lstStyle/>
-          <a:p>
-            <a:pPr algn="ctr"/>
-            <a:r>
-              <a:rPr lang="uk-UA" b="0" dirty="0"/>
+              <a:rPr lang="uk-UA" sz="2000" b="0" dirty="0"/>
               <a:t>Бабин Яр</a:t>
             </a:r>
           </a:p>
@@ -7516,8 +7317,8 @@
         </p:blipFill>
         <p:spPr bwMode="auto">
           <a:xfrm>
-            <a:off x="1000100" y="3166350"/>
-            <a:ext cx="2505163" cy="2948065"/>
+            <a:off x="1775520" y="2996952"/>
+            <a:ext cx="2851819" cy="3356008"/>
           </a:xfrm>
           <a:prstGeom prst="rect">
             <a:avLst/>
@@ -7556,25 +7357,17 @@
         </p:blipFill>
         <p:spPr bwMode="auto">
           <a:xfrm>
-            <a:off x="5489257" y="3188335"/>
-            <a:ext cx="2499360" cy="2926080"/>
+            <a:off x="7536306" y="3029348"/>
+            <a:ext cx="2899167" cy="3394147"/>
           </a:xfrm>
           <a:prstGeom prst="rect">
             <a:avLst/>
           </a:prstGeom>
-          <a:ln w="38100" cap="sq">
-            <a:solidFill>
-              <a:srgbClr val="000000"/>
-            </a:solidFill>
-            <a:prstDash val="solid"/>
-            <a:miter lim="800000"/>
+          <a:ln>
+            <a:noFill/>
           </a:ln>
           <a:effectLst>
-            <a:outerShdw blurRad="50800" dist="38100" dir="2700000" algn="tl" rotWithShape="0">
-              <a:srgbClr val="000000">
-                <a:alpha val="43000"/>
-              </a:srgbClr>
-            </a:outerShdw>
+            <a:softEdge rad="112500"/>
           </a:effectLst>
         </p:spPr>
       </p:pic>
@@ -7659,8 +7452,8 @@
         </p:nvSpPr>
         <p:spPr>
           <a:xfrm>
-            <a:off x="500034" y="3714752"/>
-            <a:ext cx="7994679" cy="1509712"/>
+            <a:off x="2002088" y="4437112"/>
+            <a:ext cx="8270377" cy="1509712"/>
           </a:xfrm>
         </p:spPr>
         <p:txBody>
@@ -7673,7 +7466,7 @@
                   <a:srgbClr val="00B050"/>
                 </a:solidFill>
               </a:rPr>
-              <a:t>намалюйте в </a:t>
+              <a:t>1) намалюйте в </a:t>
             </a:r>
             <a:r>
               <a:rPr lang="en-US" dirty="0">
@@ -7691,15 +7484,31 @@
               </a:rPr>
               <a:t>і скопіюйте на цей слайд </a:t>
             </a:r>
-          </a:p>
-          <a:p>
+            <a:r>
+              <a:rPr lang="uk-UA" b="1" dirty="0">
+                <a:solidFill>
+                  <a:srgbClr val="00B050"/>
+                </a:solidFill>
+              </a:rPr>
+              <a:t>прапор</a:t>
+            </a:r>
             <a:r>
               <a:rPr lang="uk-UA" dirty="0">
                 <a:solidFill>
                   <a:srgbClr val="00B050"/>
                 </a:solidFill>
               </a:rPr>
-              <a:t>	</a:t>
+              <a:t> України</a:t>
+            </a:r>
+          </a:p>
+          <a:p>
+            <a:r>
+              <a:rPr lang="uk-UA" dirty="0">
+                <a:solidFill>
+                  <a:srgbClr val="00B050"/>
+                </a:solidFill>
+              </a:rPr>
+              <a:t>2) скопіюйте з Інтернету </a:t>
             </a:r>
             <a:r>
               <a:rPr lang="uk-UA" b="1" dirty="0">
@@ -7707,7 +7516,7 @@
                   <a:srgbClr val="00B050"/>
                 </a:solidFill>
               </a:rPr>
-              <a:t>прапор</a:t>
+              <a:t>герб </a:t>
             </a:r>
             <a:r>
               <a:rPr lang="uk-UA" dirty="0">
@@ -7715,23 +7524,17 @@
                   <a:srgbClr val="00B050"/>
                 </a:solidFill>
               </a:rPr>
-              <a:t>  і </a:t>
-            </a:r>
-            <a:r>
-              <a:rPr lang="uk-UA" b="1" dirty="0">
+              <a:t> України</a:t>
+            </a:r>
+          </a:p>
+          <a:p>
+            <a:r>
+              <a:rPr lang="uk-UA" dirty="0">
                 <a:solidFill>
                   <a:srgbClr val="00B050"/>
                 </a:solidFill>
               </a:rPr>
-              <a:t>герб </a:t>
-            </a:r>
-            <a:r>
-              <a:rPr lang="uk-UA" dirty="0">
-                <a:solidFill>
-                  <a:srgbClr val="00B050"/>
-                </a:solidFill>
-              </a:rPr>
-              <a:t> України</a:t>
+              <a:t>3) цей текст – видаліть!</a:t>
             </a:r>
           </a:p>
         </p:txBody>
